--- a/Project_Design/김예성/장비 기획 초안.pptx
+++ b/Project_Design/김예성/장비 기획 초안.pptx
@@ -114,6 +114,11 @@
       </a:defRPr>
     </a:lvl9pPr>
   </p:defaultTextStyle>
+  <p:extLst>
+    <p:ext uri="{EFAFB233-063F-42B5-8137-9DF3F51BA10A}">
+      <p15:sldGuideLst xmlns:p15="http://schemas.microsoft.com/office/powerpoint/2012/main"/>
+    </p:ext>
+  </p:extLst>
 </p:presentation>
 </file>
 
@@ -27949,7 +27954,7 @@
           <a:p>
             <a:fld id="{9790A676-AFE0-46D8-8395-A7E83322BE6C}" type="datetimeFigureOut">
               <a:rPr lang="ko-KR" altLang="en-US" smtClean="0"/>
-              <a:t>2025-06-26</a:t>
+              <a:t>2025-06-27</a:t>
             </a:fld>
             <a:endParaRPr lang="ko-KR" altLang="en-US"/>
           </a:p>
@@ -28147,7 +28152,7 @@
           <a:p>
             <a:fld id="{9790A676-AFE0-46D8-8395-A7E83322BE6C}" type="datetimeFigureOut">
               <a:rPr lang="ko-KR" altLang="en-US" smtClean="0"/>
-              <a:t>2025-06-26</a:t>
+              <a:t>2025-06-27</a:t>
             </a:fld>
             <a:endParaRPr lang="ko-KR" altLang="en-US"/>
           </a:p>
@@ -28355,7 +28360,7 @@
           <a:p>
             <a:fld id="{9790A676-AFE0-46D8-8395-A7E83322BE6C}" type="datetimeFigureOut">
               <a:rPr lang="ko-KR" altLang="en-US" smtClean="0"/>
-              <a:t>2025-06-26</a:t>
+              <a:t>2025-06-27</a:t>
             </a:fld>
             <a:endParaRPr lang="ko-KR" altLang="en-US"/>
           </a:p>
@@ -28553,7 +28558,7 @@
           <a:p>
             <a:fld id="{9790A676-AFE0-46D8-8395-A7E83322BE6C}" type="datetimeFigureOut">
               <a:rPr lang="ko-KR" altLang="en-US" smtClean="0"/>
-              <a:t>2025-06-26</a:t>
+              <a:t>2025-06-27</a:t>
             </a:fld>
             <a:endParaRPr lang="ko-KR" altLang="en-US"/>
           </a:p>
@@ -28828,7 +28833,7 @@
           <a:p>
             <a:fld id="{9790A676-AFE0-46D8-8395-A7E83322BE6C}" type="datetimeFigureOut">
               <a:rPr lang="ko-KR" altLang="en-US" smtClean="0"/>
-              <a:t>2025-06-26</a:t>
+              <a:t>2025-06-27</a:t>
             </a:fld>
             <a:endParaRPr lang="ko-KR" altLang="en-US"/>
           </a:p>
@@ -29093,7 +29098,7 @@
           <a:p>
             <a:fld id="{9790A676-AFE0-46D8-8395-A7E83322BE6C}" type="datetimeFigureOut">
               <a:rPr lang="ko-KR" altLang="en-US" smtClean="0"/>
-              <a:t>2025-06-26</a:t>
+              <a:t>2025-06-27</a:t>
             </a:fld>
             <a:endParaRPr lang="ko-KR" altLang="en-US"/>
           </a:p>
@@ -29505,7 +29510,7 @@
           <a:p>
             <a:fld id="{9790A676-AFE0-46D8-8395-A7E83322BE6C}" type="datetimeFigureOut">
               <a:rPr lang="ko-KR" altLang="en-US" smtClean="0"/>
-              <a:t>2025-06-26</a:t>
+              <a:t>2025-06-27</a:t>
             </a:fld>
             <a:endParaRPr lang="ko-KR" altLang="en-US"/>
           </a:p>
@@ -29646,7 +29651,7 @@
           <a:p>
             <a:fld id="{9790A676-AFE0-46D8-8395-A7E83322BE6C}" type="datetimeFigureOut">
               <a:rPr lang="ko-KR" altLang="en-US" smtClean="0"/>
-              <a:t>2025-06-26</a:t>
+              <a:t>2025-06-27</a:t>
             </a:fld>
             <a:endParaRPr lang="ko-KR" altLang="en-US"/>
           </a:p>
@@ -29759,7 +29764,7 @@
           <a:p>
             <a:fld id="{9790A676-AFE0-46D8-8395-A7E83322BE6C}" type="datetimeFigureOut">
               <a:rPr lang="ko-KR" altLang="en-US" smtClean="0"/>
-              <a:t>2025-06-26</a:t>
+              <a:t>2025-06-27</a:t>
             </a:fld>
             <a:endParaRPr lang="ko-KR" altLang="en-US"/>
           </a:p>
@@ -30070,7 +30075,7 @@
           <a:p>
             <a:fld id="{9790A676-AFE0-46D8-8395-A7E83322BE6C}" type="datetimeFigureOut">
               <a:rPr lang="ko-KR" altLang="en-US" smtClean="0"/>
-              <a:t>2025-06-26</a:t>
+              <a:t>2025-06-27</a:t>
             </a:fld>
             <a:endParaRPr lang="ko-KR" altLang="en-US"/>
           </a:p>
@@ -30358,7 +30363,7 @@
           <a:p>
             <a:fld id="{9790A676-AFE0-46D8-8395-A7E83322BE6C}" type="datetimeFigureOut">
               <a:rPr lang="ko-KR" altLang="en-US" smtClean="0"/>
-              <a:t>2025-06-26</a:t>
+              <a:t>2025-06-27</a:t>
             </a:fld>
             <a:endParaRPr lang="ko-KR" altLang="en-US"/>
           </a:p>
@@ -30599,7 +30604,7 @@
           <a:p>
             <a:fld id="{9790A676-AFE0-46D8-8395-A7E83322BE6C}" type="datetimeFigureOut">
               <a:rPr lang="ko-KR" altLang="en-US" smtClean="0"/>
-              <a:t>2025-06-26</a:t>
+              <a:t>2025-06-27</a:t>
             </a:fld>
             <a:endParaRPr lang="ko-KR" altLang="en-US"/>
           </a:p>
@@ -31407,7 +31412,7 @@
           <p:nvPr>
             <p:extLst>
               <p:ext uri="{D42A27DB-BD31-4B8C-83A1-F6EECF244321}">
-                <p14:modId xmlns:p14="http://schemas.microsoft.com/office/powerpoint/2010/main" val="257596512"/>
+                <p14:modId xmlns:p14="http://schemas.microsoft.com/office/powerpoint/2010/main" val="3375568345"/>
               </p:ext>
             </p:extLst>
           </p:nvPr>
@@ -31606,7 +31611,7 @@
                       <a:pPr algn="ctr" latinLnBrk="1"/>
                       <a:r>
                         <a:rPr lang="en-US" altLang="ko-KR" dirty="0"/>
-                        <a:t>200+(</a:t>
+                        <a:t>201+(</a:t>
                       </a:r>
                       <a:r>
                         <a:rPr lang="ko-KR" altLang="en-US" dirty="0"/>
@@ -31614,7 +31619,7 @@
                       </a:r>
                       <a:r>
                         <a:rPr lang="en-US" altLang="ko-KR" dirty="0"/>
-                        <a:t>10)</a:t>
+                        <a:t>6)</a:t>
                       </a:r>
                       <a:endParaRPr lang="ko-KR" altLang="en-US" dirty="0"/>
                     </a:p>
@@ -31696,7 +31701,7 @@
                       </a:r>
                       <a:r>
                         <a:rPr lang="en-US" altLang="ko-KR" dirty="0"/>
-                        <a:t>5)</a:t>
+                        <a:t>3)</a:t>
                       </a:r>
                       <a:endParaRPr lang="ko-KR" altLang="en-US" dirty="0"/>
                     </a:p>

--- a/Project_Design/김예성/장비 기획 초안.pptx
+++ b/Project_Design/김예성/장비 기획 초안.pptx
@@ -31412,7 +31412,7 @@
           <p:nvPr>
             <p:extLst>
               <p:ext uri="{D42A27DB-BD31-4B8C-83A1-F6EECF244321}">
-                <p14:modId xmlns:p14="http://schemas.microsoft.com/office/powerpoint/2010/main" val="3375568345"/>
+                <p14:modId xmlns:p14="http://schemas.microsoft.com/office/powerpoint/2010/main" val="3581649084"/>
               </p:ext>
             </p:extLst>
           </p:nvPr>
@@ -31611,7 +31611,7 @@
                       <a:pPr algn="ctr" latinLnBrk="1"/>
                       <a:r>
                         <a:rPr lang="en-US" altLang="ko-KR" dirty="0"/>
-                        <a:t>201+(</a:t>
+                        <a:t>100+(</a:t>
                       </a:r>
                       <a:r>
                         <a:rPr lang="ko-KR" altLang="en-US" dirty="0"/>
@@ -31693,7 +31693,7 @@
                       <a:pPr algn="ctr" latinLnBrk="1"/>
                       <a:r>
                         <a:rPr lang="en-US" altLang="ko-KR" dirty="0"/>
-                        <a:t>100(</a:t>
+                        <a:t>50(</a:t>
                       </a:r>
                       <a:r>
                         <a:rPr lang="ko-KR" altLang="en-US" dirty="0"/>
